--- a/Presentazioni/Lezione 4 - Python - Gabriele Iovino/Python - CodingZero.pptx
+++ b/Presentazioni/Lezione 4 - Python - Gabriele Iovino/Python - CodingZero.pptx
@@ -273,7 +273,7 @@
           <a:p>
             <a:fld id="{3C7D8893-179F-4CCB-A45F-B9B8FB013B2E}" type="datetimeFigureOut">
               <a:rPr lang="it-IT" smtClean="0"/>
-              <a:t>26/09/2024</a:t>
+              <a:t>20/09/2025</a:t>
             </a:fld>
             <a:endParaRPr lang="it-IT"/>
           </a:p>
@@ -327,7 +327,7 @@
           <a:p>
             <a:fld id="{88082A96-89BA-4EA0-84FB-E4041852F1D9}" type="slidenum">
               <a:rPr lang="it-IT" smtClean="0"/>
-              <a:t>‹#›</a:t>
+              <a:t>‹N›</a:t>
             </a:fld>
             <a:endParaRPr lang="it-IT"/>
           </a:p>
@@ -473,7 +473,7 @@
           <a:p>
             <a:fld id="{3C7D8893-179F-4CCB-A45F-B9B8FB013B2E}" type="datetimeFigureOut">
               <a:rPr lang="it-IT" smtClean="0"/>
-              <a:t>26/09/2024</a:t>
+              <a:t>20/09/2025</a:t>
             </a:fld>
             <a:endParaRPr lang="it-IT"/>
           </a:p>
@@ -527,7 +527,7 @@
           <a:p>
             <a:fld id="{88082A96-89BA-4EA0-84FB-E4041852F1D9}" type="slidenum">
               <a:rPr lang="it-IT" smtClean="0"/>
-              <a:t>‹#›</a:t>
+              <a:t>‹N›</a:t>
             </a:fld>
             <a:endParaRPr lang="it-IT"/>
           </a:p>
@@ -683,7 +683,7 @@
           <a:p>
             <a:fld id="{3C7D8893-179F-4CCB-A45F-B9B8FB013B2E}" type="datetimeFigureOut">
               <a:rPr lang="it-IT" smtClean="0"/>
-              <a:t>26/09/2024</a:t>
+              <a:t>20/09/2025</a:t>
             </a:fld>
             <a:endParaRPr lang="it-IT"/>
           </a:p>
@@ -737,7 +737,7 @@
           <a:p>
             <a:fld id="{88082A96-89BA-4EA0-84FB-E4041852F1D9}" type="slidenum">
               <a:rPr lang="it-IT" smtClean="0"/>
-              <a:t>‹#›</a:t>
+              <a:t>‹N›</a:t>
             </a:fld>
             <a:endParaRPr lang="it-IT"/>
           </a:p>
@@ -883,7 +883,7 @@
           <a:p>
             <a:fld id="{3C7D8893-179F-4CCB-A45F-B9B8FB013B2E}" type="datetimeFigureOut">
               <a:rPr lang="it-IT" smtClean="0"/>
-              <a:t>26/09/2024</a:t>
+              <a:t>20/09/2025</a:t>
             </a:fld>
             <a:endParaRPr lang="it-IT"/>
           </a:p>
@@ -937,7 +937,7 @@
           <a:p>
             <a:fld id="{88082A96-89BA-4EA0-84FB-E4041852F1D9}" type="slidenum">
               <a:rPr lang="it-IT" smtClean="0"/>
-              <a:t>‹#›</a:t>
+              <a:t>‹N›</a:t>
             </a:fld>
             <a:endParaRPr lang="it-IT"/>
           </a:p>
@@ -1159,7 +1159,7 @@
           <a:p>
             <a:fld id="{3C7D8893-179F-4CCB-A45F-B9B8FB013B2E}" type="datetimeFigureOut">
               <a:rPr lang="it-IT" smtClean="0"/>
-              <a:t>26/09/2024</a:t>
+              <a:t>20/09/2025</a:t>
             </a:fld>
             <a:endParaRPr lang="it-IT"/>
           </a:p>
@@ -1213,7 +1213,7 @@
           <a:p>
             <a:fld id="{88082A96-89BA-4EA0-84FB-E4041852F1D9}" type="slidenum">
               <a:rPr lang="it-IT" smtClean="0"/>
-              <a:t>‹#›</a:t>
+              <a:t>‹N›</a:t>
             </a:fld>
             <a:endParaRPr lang="it-IT"/>
           </a:p>
@@ -1427,7 +1427,7 @@
           <a:p>
             <a:fld id="{3C7D8893-179F-4CCB-A45F-B9B8FB013B2E}" type="datetimeFigureOut">
               <a:rPr lang="it-IT" smtClean="0"/>
-              <a:t>26/09/2024</a:t>
+              <a:t>20/09/2025</a:t>
             </a:fld>
             <a:endParaRPr lang="it-IT"/>
           </a:p>
@@ -1481,7 +1481,7 @@
           <a:p>
             <a:fld id="{88082A96-89BA-4EA0-84FB-E4041852F1D9}" type="slidenum">
               <a:rPr lang="it-IT" smtClean="0"/>
-              <a:t>‹#›</a:t>
+              <a:t>‹N›</a:t>
             </a:fld>
             <a:endParaRPr lang="it-IT"/>
           </a:p>
@@ -1842,7 +1842,7 @@
           <a:p>
             <a:fld id="{3C7D8893-179F-4CCB-A45F-B9B8FB013B2E}" type="datetimeFigureOut">
               <a:rPr lang="it-IT" smtClean="0"/>
-              <a:t>26/09/2024</a:t>
+              <a:t>20/09/2025</a:t>
             </a:fld>
             <a:endParaRPr lang="it-IT"/>
           </a:p>
@@ -1896,7 +1896,7 @@
           <a:p>
             <a:fld id="{88082A96-89BA-4EA0-84FB-E4041852F1D9}" type="slidenum">
               <a:rPr lang="it-IT" smtClean="0"/>
-              <a:t>‹#›</a:t>
+              <a:t>‹N›</a:t>
             </a:fld>
             <a:endParaRPr lang="it-IT"/>
           </a:p>
@@ -1984,7 +1984,7 @@
           <a:p>
             <a:fld id="{3C7D8893-179F-4CCB-A45F-B9B8FB013B2E}" type="datetimeFigureOut">
               <a:rPr lang="it-IT" smtClean="0"/>
-              <a:t>26/09/2024</a:t>
+              <a:t>20/09/2025</a:t>
             </a:fld>
             <a:endParaRPr lang="it-IT"/>
           </a:p>
@@ -2038,7 +2038,7 @@
           <a:p>
             <a:fld id="{88082A96-89BA-4EA0-84FB-E4041852F1D9}" type="slidenum">
               <a:rPr lang="it-IT" smtClean="0"/>
-              <a:t>‹#›</a:t>
+              <a:t>‹N›</a:t>
             </a:fld>
             <a:endParaRPr lang="it-IT"/>
           </a:p>
@@ -2097,7 +2097,7 @@
           <a:p>
             <a:fld id="{3C7D8893-179F-4CCB-A45F-B9B8FB013B2E}" type="datetimeFigureOut">
               <a:rPr lang="it-IT" smtClean="0"/>
-              <a:t>26/09/2024</a:t>
+              <a:t>20/09/2025</a:t>
             </a:fld>
             <a:endParaRPr lang="it-IT"/>
           </a:p>
@@ -2151,7 +2151,7 @@
           <a:p>
             <a:fld id="{88082A96-89BA-4EA0-84FB-E4041852F1D9}" type="slidenum">
               <a:rPr lang="it-IT" smtClean="0"/>
-              <a:t>‹#›</a:t>
+              <a:t>‹N›</a:t>
             </a:fld>
             <a:endParaRPr lang="it-IT"/>
           </a:p>
@@ -2410,7 +2410,7 @@
           <a:p>
             <a:fld id="{3C7D8893-179F-4CCB-A45F-B9B8FB013B2E}" type="datetimeFigureOut">
               <a:rPr lang="it-IT" smtClean="0"/>
-              <a:t>26/09/2024</a:t>
+              <a:t>20/09/2025</a:t>
             </a:fld>
             <a:endParaRPr lang="it-IT"/>
           </a:p>
@@ -2464,7 +2464,7 @@
           <a:p>
             <a:fld id="{88082A96-89BA-4EA0-84FB-E4041852F1D9}" type="slidenum">
               <a:rPr lang="it-IT" smtClean="0"/>
-              <a:t>‹#›</a:t>
+              <a:t>‹N›</a:t>
             </a:fld>
             <a:endParaRPr lang="it-IT"/>
           </a:p>
@@ -2699,7 +2699,7 @@
           <a:p>
             <a:fld id="{3C7D8893-179F-4CCB-A45F-B9B8FB013B2E}" type="datetimeFigureOut">
               <a:rPr lang="it-IT" smtClean="0"/>
-              <a:t>26/09/2024</a:t>
+              <a:t>20/09/2025</a:t>
             </a:fld>
             <a:endParaRPr lang="it-IT"/>
           </a:p>
@@ -2753,7 +2753,7 @@
           <a:p>
             <a:fld id="{88082A96-89BA-4EA0-84FB-E4041852F1D9}" type="slidenum">
               <a:rPr lang="it-IT" smtClean="0"/>
-              <a:t>‹#›</a:t>
+              <a:t>‹N›</a:t>
             </a:fld>
             <a:endParaRPr lang="it-IT"/>
           </a:p>
@@ -2951,7 +2951,7 @@
           <a:p>
             <a:fld id="{3C7D8893-179F-4CCB-A45F-B9B8FB013B2E}" type="datetimeFigureOut">
               <a:rPr lang="it-IT" smtClean="0"/>
-              <a:t>26/09/2024</a:t>
+              <a:t>20/09/2025</a:t>
             </a:fld>
             <a:endParaRPr lang="it-IT"/>
           </a:p>
@@ -3041,7 +3041,7 @@
           <a:p>
             <a:fld id="{88082A96-89BA-4EA0-84FB-E4041852F1D9}" type="slidenum">
               <a:rPr lang="it-IT" smtClean="0"/>
-              <a:t>‹#›</a:t>
+              <a:t>‹N›</a:t>
             </a:fld>
             <a:endParaRPr lang="it-IT"/>
           </a:p>
@@ -3645,7 +3645,10 @@
             <a:avLst/>
           </a:prstGeom>
           <a:solidFill>
-            <a:schemeClr val="bg1"/>
+            <a:schemeClr val="tx1">
+              <a:lumMod val="85000"/>
+              <a:lumOff val="15000"/>
+            </a:schemeClr>
           </a:solidFill>
           <a:ln>
             <a:noFill/>
@@ -4029,7 +4032,10 @@
             <a:avLst/>
           </a:prstGeom>
           <a:solidFill>
-            <a:schemeClr val="bg1"/>
+            <a:schemeClr val="tx1">
+              <a:lumMod val="85000"/>
+              <a:lumOff val="15000"/>
+            </a:schemeClr>
           </a:solidFill>
           <a:ln>
             <a:noFill/>
@@ -4601,7 +4607,10 @@
             <a:avLst/>
           </a:prstGeom>
           <a:solidFill>
-            <a:schemeClr val="bg1"/>
+            <a:schemeClr val="tx1">
+              <a:lumMod val="85000"/>
+              <a:lumOff val="15000"/>
+            </a:schemeClr>
           </a:solidFill>
           <a:ln>
             <a:noFill/>
@@ -5470,7 +5479,10 @@
             <a:avLst/>
           </a:prstGeom>
           <a:solidFill>
-            <a:schemeClr val="bg1"/>
+            <a:schemeClr val="tx1">
+              <a:lumMod val="85000"/>
+              <a:lumOff val="15000"/>
+            </a:schemeClr>
           </a:solidFill>
           <a:ln>
             <a:noFill/>
@@ -6736,7 +6748,10 @@
               <a:avLst/>
             </a:prstGeom>
             <a:solidFill>
-              <a:schemeClr val="bg1"/>
+              <a:schemeClr val="tx1">
+                <a:lumMod val="85000"/>
+                <a:lumOff val="15000"/>
+              </a:schemeClr>
             </a:solidFill>
             <a:ln>
               <a:noFill/>
@@ -6940,7 +6955,10 @@
               <a:avLst/>
             </a:prstGeom>
             <a:solidFill>
-              <a:schemeClr val="bg1"/>
+              <a:schemeClr val="tx1">
+                <a:lumMod val="85000"/>
+                <a:lumOff val="15000"/>
+              </a:schemeClr>
             </a:solidFill>
             <a:ln>
               <a:noFill/>
@@ -7759,7 +7777,10 @@
               <a:avLst/>
             </a:prstGeom>
             <a:solidFill>
-              <a:schemeClr val="bg1"/>
+              <a:schemeClr val="tx1">
+                <a:lumMod val="85000"/>
+                <a:lumOff val="15000"/>
+              </a:schemeClr>
             </a:solidFill>
             <a:ln>
               <a:noFill/>
@@ -8182,7 +8203,10 @@
               <a:avLst/>
             </a:prstGeom>
             <a:solidFill>
-              <a:schemeClr val="bg1"/>
+              <a:schemeClr val="tx1">
+                <a:lumMod val="85000"/>
+                <a:lumOff val="15000"/>
+              </a:schemeClr>
             </a:solidFill>
             <a:ln>
               <a:noFill/>
@@ -8697,7 +8721,10 @@
               <a:avLst/>
             </a:prstGeom>
             <a:solidFill>
-              <a:schemeClr val="bg1"/>
+              <a:schemeClr val="tx1">
+                <a:lumMod val="85000"/>
+                <a:lumOff val="15000"/>
+              </a:schemeClr>
             </a:solidFill>
             <a:ln>
               <a:noFill/>
@@ -9175,7 +9202,10 @@
             <a:avLst/>
           </a:prstGeom>
           <a:solidFill>
-            <a:schemeClr val="bg1"/>
+            <a:schemeClr val="tx1">
+              <a:lumMod val="85000"/>
+              <a:lumOff val="15000"/>
+            </a:schemeClr>
           </a:solidFill>
           <a:ln>
             <a:noFill/>
@@ -11699,7 +11729,10 @@
               <a:avLst/>
             </a:prstGeom>
             <a:solidFill>
-              <a:schemeClr val="bg1"/>
+              <a:schemeClr val="tx1">
+                <a:lumMod val="85000"/>
+                <a:lumOff val="15000"/>
+              </a:schemeClr>
             </a:solidFill>
             <a:ln>
               <a:noFill/>
@@ -12043,7 +12076,10 @@
                 <a:avLst/>
               </a:prstGeom>
               <a:solidFill>
-                <a:schemeClr val="bg1"/>
+                <a:schemeClr val="tx1">
+                  <a:lumMod val="85000"/>
+                  <a:lumOff val="15000"/>
+                </a:schemeClr>
               </a:solidFill>
               <a:ln>
                 <a:noFill/>
@@ -12180,7 +12216,10 @@
                 <a:avLst/>
               </a:prstGeom>
               <a:solidFill>
-                <a:schemeClr val="bg1"/>
+                <a:schemeClr val="tx1">
+                  <a:lumMod val="85000"/>
+                  <a:lumOff val="15000"/>
+                </a:schemeClr>
               </a:solidFill>
               <a:ln>
                 <a:noFill/>
@@ -12443,7 +12482,10 @@
                 <a:avLst/>
               </a:prstGeom>
               <a:solidFill>
-                <a:schemeClr val="bg1"/>
+                <a:schemeClr val="tx1">
+                  <a:lumMod val="85000"/>
+                  <a:lumOff val="15000"/>
+                </a:schemeClr>
               </a:solidFill>
               <a:ln>
                 <a:noFill/>
@@ -12678,7 +12720,10 @@
                 <a:avLst/>
               </a:prstGeom>
               <a:solidFill>
-                <a:schemeClr val="bg1"/>
+                <a:schemeClr val="tx1">
+                  <a:lumMod val="85000"/>
+                  <a:lumOff val="15000"/>
+                </a:schemeClr>
               </a:solidFill>
               <a:ln>
                 <a:noFill/>
@@ -13031,7 +13076,10 @@
                 <a:avLst/>
               </a:prstGeom>
               <a:solidFill>
-                <a:schemeClr val="bg1"/>
+                <a:schemeClr val="tx1">
+                  <a:lumMod val="85000"/>
+                  <a:lumOff val="15000"/>
+                </a:schemeClr>
               </a:solidFill>
               <a:ln>
                 <a:noFill/>
@@ -13355,7 +13403,10 @@
             <a:avLst/>
           </a:prstGeom>
           <a:solidFill>
-            <a:schemeClr val="bg1"/>
+            <a:schemeClr val="tx1">
+              <a:lumMod val="85000"/>
+              <a:lumOff val="15000"/>
+            </a:schemeClr>
           </a:solidFill>
           <a:ln>
             <a:noFill/>
@@ -13704,7 +13755,10 @@
             <a:avLst/>
           </a:prstGeom>
           <a:solidFill>
-            <a:schemeClr val="bg1"/>
+            <a:schemeClr val="tx1">
+              <a:lumMod val="85000"/>
+              <a:lumOff val="15000"/>
+            </a:schemeClr>
           </a:solidFill>
           <a:ln>
             <a:noFill/>
@@ -14126,7 +14180,10 @@
             <a:avLst/>
           </a:prstGeom>
           <a:solidFill>
-            <a:schemeClr val="bg1"/>
+            <a:schemeClr val="tx1">
+              <a:lumMod val="85000"/>
+              <a:lumOff val="15000"/>
+            </a:schemeClr>
           </a:solidFill>
           <a:ln>
             <a:noFill/>
@@ -14792,7 +14849,10 @@
             <a:avLst/>
           </a:prstGeom>
           <a:solidFill>
-            <a:schemeClr val="bg1"/>
+            <a:schemeClr val="tx1">
+              <a:lumMod val="85000"/>
+              <a:lumOff val="15000"/>
+            </a:schemeClr>
           </a:solidFill>
           <a:ln>
             <a:noFill/>
